--- a/ASF-Training/ASF-slides/M07c Azure Stack Hub App Service RP.pptx
+++ b/ASF-Training/ASF-slides/M07c Azure Stack Hub App Service RP.pptx
@@ -254,14 +254,6 @@
 </p:cmAuthorLst>
 </file>
 
-<file path=ppt/revisionInfo.xml><?xml version="1.0" encoding="utf-8"?>
-<p1510:revInfo xmlns:a="http://schemas.openxmlformats.org/drawingml/2006/main" xmlns:r="http://schemas.openxmlformats.org/officeDocument/2006/relationships" xmlns:p1510="http://schemas.microsoft.com/office/powerpoint/2015/10/main">
-  <p1510:revLst>
-    <p1510:client id="{73A46DA9-B66C-480A-85B5-DE99A71F3A90}" v="1" dt="2020-03-05T18:51:37.190"/>
-  </p1510:revLst>
-</p1510:revInfo>
-</file>
-
 <file path=ppt/handoutMasters/handoutMaster1.xml><?xml version="1.0" encoding="utf-8"?>
 <p:handoutMaster xmlns:a="http://schemas.openxmlformats.org/drawingml/2006/main" xmlns:r="http://schemas.openxmlformats.org/officeDocument/2006/relationships" xmlns:p="http://schemas.openxmlformats.org/presentationml/2006/main">
   <p:cSld>
@@ -348,7 +340,7 @@
               <a:rPr lang="en-US" smtClean="0">
                 <a:latin typeface="Segoe UI" pitchFamily="34" charset="0"/>
               </a:rPr>
-              <a:t>3/5/2020 1:51 PM</a:t>
+              <a:t>6/1/2021 1:23 PM</a:t>
             </a:fld>
             <a:endParaRPr lang="en-US">
               <a:latin typeface="Segoe UI" pitchFamily="34" charset="0"/>
@@ -626,7 +618,7 @@
           <a:p>
             <a:fld id="{D18B56EA-E28F-4F92-9F16-7A6F2501B303}" type="datetime8">
               <a:rPr lang="en-US" smtClean="0"/>
-              <a:t>3/5/2020 1:47 PM</a:t>
+              <a:t>6/1/2021 1:21 PM</a:t>
             </a:fld>
             <a:endParaRPr lang="en-US"/>
           </a:p>
@@ -955,7 +947,7 @@
           <a:p>
             <a:fld id="{56C2EDE2-D073-4F7E-A469-E134256712C5}" type="datetime8">
               <a:rPr lang="en-US" smtClean="0"/>
-              <a:t>3/5/2020 1:47 PM</a:t>
+              <a:t>6/1/2021 1:21 PM</a:t>
             </a:fld>
             <a:endParaRPr lang="en-US"/>
           </a:p>
@@ -1257,7 +1249,7 @@
                 <a:tabLst/>
                 <a:defRPr/>
               </a:pPr>
-              <a:t>3/5/2020 1:49 PM</a:t>
+              <a:t>6/1/2021 1:21 PM</a:t>
             </a:fld>
             <a:endParaRPr kumimoji="0" lang="en-US" sz="1200" b="0" i="0" u="none" strike="noStrike" kern="1200" cap="none" spc="0" normalizeH="0" baseline="0" noProof="0">
               <a:ln>
@@ -1596,7 +1588,7 @@
                 <a:tabLst/>
                 <a:defRPr/>
               </a:pPr>
-              <a:t>3/5/2020 1:49 PM</a:t>
+              <a:t>6/1/2021 1:21 PM</a:t>
             </a:fld>
             <a:endParaRPr kumimoji="0" lang="en-US" sz="1200" b="0" i="0" u="none" strike="noStrike" kern="1200" cap="none" spc="0" normalizeH="0" baseline="0" noProof="0">
               <a:ln>
@@ -1836,7 +1828,7 @@
           <a:p>
             <a:fld id="{38EEC551-8CDA-4EB6-89BB-2A86C9F091C8}" type="datetime8">
               <a:rPr lang="en-US" smtClean="0"/>
-              <a:t>3/5/2020 1:49 PM</a:t>
+              <a:t>6/1/2021 1:21 PM</a:t>
             </a:fld>
             <a:endParaRPr lang="en-US"/>
           </a:p>
@@ -2001,7 +1993,7 @@
           <a:p>
             <a:fld id="{D18B56EA-E28F-4F92-9F16-7A6F2501B303}" type="datetime8">
               <a:rPr lang="en-US" smtClean="0"/>
-              <a:t>3/5/2020 1:49 PM</a:t>
+              <a:t>6/1/2021 1:21 PM</a:t>
             </a:fld>
             <a:endParaRPr lang="en-US"/>
           </a:p>
@@ -2169,7 +2161,7 @@
           <a:p>
             <a:fld id="{38EEC551-8CDA-4EB6-89BB-2A86C9F091C8}" type="datetime8">
               <a:rPr lang="en-US" smtClean="0"/>
-              <a:t>3/5/2020 1:49 PM</a:t>
+              <a:t>6/1/2021 1:21 PM</a:t>
             </a:fld>
             <a:endParaRPr lang="en-US"/>
           </a:p>
@@ -2787,7 +2779,7 @@
                 <a:tabLst/>
                 <a:defRPr/>
               </a:pPr>
-              <a:t>3/5/2020 1:48 PM</a:t>
+              <a:t>6/1/2021 1:21 PM</a:t>
             </a:fld>
             <a:endParaRPr kumimoji="0" lang="en-US" sz="1800" b="0" i="0" u="none" strike="noStrike" kern="0" cap="none" spc="0" normalizeH="0" baseline="0" noProof="0">
               <a:ln>
@@ -3075,7 +3067,7 @@
           <a:p>
             <a:fld id="{D18B56EA-E28F-4F92-9F16-7A6F2501B303}" type="datetime8">
               <a:rPr lang="en-US" smtClean="0"/>
-              <a:t>3/5/2020 1:49 PM</a:t>
+              <a:t>6/1/2021 1:21 PM</a:t>
             </a:fld>
             <a:endParaRPr lang="en-US"/>
           </a:p>
@@ -3336,7 +3328,7 @@
                 <a:tabLst/>
                 <a:defRPr/>
               </a:pPr>
-              <a:t>3/5/2020 1:49 PM</a:t>
+              <a:t>6/1/2021 1:21 PM</a:t>
             </a:fld>
             <a:endParaRPr kumimoji="0" lang="en-US" sz="1800" b="0" i="0" u="none" strike="noStrike" kern="0" cap="none" spc="0" normalizeH="0" baseline="0" noProof="0">
               <a:ln>
@@ -3567,7 +3559,7 @@
           <a:p>
             <a:fld id="{38EEC551-8CDA-4EB6-89BB-2A86C9F091C8}" type="datetime8">
               <a:rPr lang="en-US" smtClean="0"/>
-              <a:t>3/5/2020 1:49 PM</a:t>
+              <a:t>6/1/2021 1:21 PM</a:t>
             </a:fld>
             <a:endParaRPr lang="en-US"/>
           </a:p>
@@ -3732,7 +3724,7 @@
           <a:p>
             <a:fld id="{D18B56EA-E28F-4F92-9F16-7A6F2501B303}" type="datetime8">
               <a:rPr lang="en-US" smtClean="0"/>
-              <a:t>3/5/2020 1:49 PM</a:t>
+              <a:t>6/1/2021 1:21 PM</a:t>
             </a:fld>
             <a:endParaRPr lang="en-US"/>
           </a:p>
@@ -3981,7 +3973,7 @@
           <a:p>
             <a:fld id="{D18B56EA-E28F-4F92-9F16-7A6F2501B303}" type="datetime8">
               <a:rPr lang="en-US" smtClean="0"/>
-              <a:t>3/5/2020 1:49 PM</a:t>
+              <a:t>6/1/2021 1:21 PM</a:t>
             </a:fld>
             <a:endParaRPr lang="en-US"/>
           </a:p>
@@ -4482,7 +4474,7 @@
           <a:p>
             <a:fld id="{0F1DD190-47F2-4EC2-A20D-7847072E60CD}" type="datetime8">
               <a:rPr lang="en-US" smtClean="0"/>
-              <a:t>3/5/2020 1:48 PM</a:t>
+              <a:t>6/1/2021 1:21 PM</a:t>
             </a:fld>
             <a:endParaRPr lang="en-US"/>
           </a:p>
@@ -4916,7 +4908,7 @@
           <a:p>
             <a:fld id="{D18B56EA-E28F-4F92-9F16-7A6F2501B303}" type="datetime8">
               <a:rPr lang="en-US" smtClean="0"/>
-              <a:t>3/5/2020 1:49 PM</a:t>
+              <a:t>6/1/2021 1:21 PM</a:t>
             </a:fld>
             <a:endParaRPr lang="en-US"/>
           </a:p>
@@ -5165,7 +5157,7 @@
           <a:p>
             <a:fld id="{FD545570-6992-4320-BEFC-9262493433EC}" type="datetime8">
               <a:rPr lang="en-US" smtClean="0"/>
-              <a:t>3/5/2020 1:49 PM</a:t>
+              <a:t>6/1/2021 1:21 PM</a:t>
             </a:fld>
             <a:endParaRPr lang="en-US"/>
           </a:p>
@@ -5315,7 +5307,7 @@
                   <a:prstClr val="black"/>
                 </a:solidFill>
               </a:rPr>
-              <a:t>3/5/2020 1:49 PM</a:t>
+              <a:t>6/1/2021 1:21 PM</a:t>
             </a:fld>
             <a:endParaRPr lang="en-US">
               <a:solidFill>
@@ -5530,7 +5522,7 @@
           <a:p>
             <a:fld id="{D18B56EA-E28F-4F92-9F16-7A6F2501B303}" type="datetime8">
               <a:rPr lang="en-US" smtClean="0"/>
-              <a:t>3/5/2020 1:49 PM</a:t>
+              <a:t>6/1/2021 1:21 PM</a:t>
             </a:fld>
             <a:endParaRPr lang="en-US"/>
           </a:p>
@@ -5695,7 +5687,7 @@
           <a:p>
             <a:fld id="{D18B56EA-E28F-4F92-9F16-7A6F2501B303}" type="datetime8">
               <a:rPr lang="en-US" smtClean="0"/>
-              <a:t>3/5/2020 1:49 PM</a:t>
+              <a:t>6/1/2021 1:21 PM</a:t>
             </a:fld>
             <a:endParaRPr lang="en-US"/>
           </a:p>
@@ -5860,7 +5852,7 @@
           <a:p>
             <a:fld id="{D18B56EA-E28F-4F92-9F16-7A6F2501B303}" type="datetime8">
               <a:rPr lang="en-US" smtClean="0"/>
-              <a:t>3/5/2020 1:49 PM</a:t>
+              <a:t>6/1/2021 1:21 PM</a:t>
             </a:fld>
             <a:endParaRPr lang="en-US"/>
           </a:p>
@@ -6028,7 +6020,7 @@
           <a:p>
             <a:fld id="{38EEC551-8CDA-4EB6-89BB-2A86C9F091C8}" type="datetime8">
               <a:rPr lang="en-US" smtClean="0"/>
-              <a:t>3/5/2020 1:48 PM</a:t>
+              <a:t>6/1/2021 1:21 PM</a:t>
             </a:fld>
             <a:endParaRPr lang="en-US"/>
           </a:p>
@@ -6193,7 +6185,7 @@
           <a:p>
             <a:fld id="{0F1DD190-47F2-4EC2-A20D-7847072E60CD}" type="datetime8">
               <a:rPr lang="en-US" smtClean="0"/>
-              <a:t>3/5/2020 1:48 PM</a:t>
+              <a:t>6/1/2021 1:21 PM</a:t>
             </a:fld>
             <a:endParaRPr lang="en-US"/>
           </a:p>
@@ -6503,7 +6495,7 @@
           <a:p>
             <a:fld id="{D18B56EA-E28F-4F92-9F16-7A6F2501B303}" type="datetime8">
               <a:rPr lang="en-US" smtClean="0"/>
-              <a:t>3/5/2020 1:48 PM</a:t>
+              <a:t>6/1/2021 1:21 PM</a:t>
             </a:fld>
             <a:endParaRPr lang="en-US"/>
           </a:p>
@@ -6672,7 +6664,7 @@
           <a:p>
             <a:fld id="{D18B56EA-E28F-4F92-9F16-7A6F2501B303}" type="datetime8">
               <a:rPr lang="en-US" smtClean="0"/>
-              <a:t>3/5/2020 1:48 PM</a:t>
+              <a:t>6/1/2021 1:21 PM</a:t>
             </a:fld>
             <a:endParaRPr lang="en-US"/>
           </a:p>
@@ -6837,7 +6829,7 @@
           <a:p>
             <a:fld id="{0F1DD190-47F2-4EC2-A20D-7847072E60CD}" type="datetime8">
               <a:rPr lang="en-US" smtClean="0"/>
-              <a:t>3/5/2020 1:49 PM</a:t>
+              <a:t>6/1/2021 1:21 PM</a:t>
             </a:fld>
             <a:endParaRPr lang="en-US"/>
           </a:p>
@@ -10187,7 +10179,7 @@
           <a:p>
             <a:fld id="{8116F597-F14F-4590-B4BB-707A3AFD4787}" type="datetime1">
               <a:rPr lang="en-US" smtClean="0"/>
-              <a:t>3/5/2020</a:t>
+              <a:t>6/1/2021</a:t>
             </a:fld>
             <a:endParaRPr lang="en-US"/>
           </a:p>
@@ -39353,7 +39345,7 @@
             </a:pPr>
             <a:r>
               <a:rPr lang="en-US" sz="2400" dirty="0"/>
-              <a:t>It’s a Microsoft-led open source project</a:t>
+              <a:t>It’s a Microsoft-led open-source project</a:t>
             </a:r>
           </a:p>
           <a:p>
@@ -41761,7 +41753,7 @@
             </a:ln>
             <a:extLst>
               <a:ext uri="{91240B29-F687-4f45-9708-019B960494DF}">
-                <a14:hiddenLine xmlns="" xmlns:a14="http://schemas.microsoft.com/office/drawing/2010/main" w="9525">
+                <a14:hiddenLine xmlns:a14="http://schemas.microsoft.com/office/drawing/2010/main" xmlns="" w="9525">
                   <a:solidFill>
                     <a:srgbClr val="000000"/>
                   </a:solidFill>
@@ -42035,7 +42027,7 @@
             </a:ln>
             <a:extLst>
               <a:ext uri="{91240B29-F687-4f45-9708-019B960494DF}">
-                <a14:hiddenLine xmlns="" xmlns:a14="http://schemas.microsoft.com/office/drawing/2010/main" w="9525">
+                <a14:hiddenLine xmlns:a14="http://schemas.microsoft.com/office/drawing/2010/main" xmlns="" w="9525">
                   <a:solidFill>
                     <a:srgbClr val="000000"/>
                   </a:solidFill>
@@ -42279,7 +42271,7 @@
             </a:ln>
             <a:extLst>
               <a:ext uri="{91240B29-F687-4f45-9708-019B960494DF}">
-                <a14:hiddenLine xmlns="" xmlns:a14="http://schemas.microsoft.com/office/drawing/2010/main" w="9525">
+                <a14:hiddenLine xmlns:a14="http://schemas.microsoft.com/office/drawing/2010/main" xmlns="" w="9525">
                   <a:solidFill>
                     <a:srgbClr val="000000"/>
                   </a:solidFill>
@@ -42573,7 +42565,7 @@
             </a:ln>
             <a:extLst>
               <a:ext uri="{91240B29-F687-4f45-9708-019B960494DF}">
-                <a14:hiddenLine xmlns="" xmlns:a14="http://schemas.microsoft.com/office/drawing/2010/main" w="9525">
+                <a14:hiddenLine xmlns:a14="http://schemas.microsoft.com/office/drawing/2010/main" xmlns="" w="9525">
                   <a:solidFill>
                     <a:srgbClr val="000000"/>
                   </a:solidFill>
@@ -43427,7 +43419,7 @@
             </a:ln>
             <a:extLst>
               <a:ext uri="{91240B29-F687-4f45-9708-019B960494DF}">
-                <a14:hiddenLine xmlns="" xmlns:a14="http://schemas.microsoft.com/office/drawing/2010/main" w="9525">
+                <a14:hiddenLine xmlns:a14="http://schemas.microsoft.com/office/drawing/2010/main" xmlns="" w="9525">
                   <a:solidFill>
                     <a:srgbClr val="000000"/>
                   </a:solidFill>
@@ -43706,7 +43698,7 @@
             </a:ln>
             <a:extLst>
               <a:ext uri="{91240B29-F687-4f45-9708-019B960494DF}">
-                <a14:hiddenLine xmlns="" xmlns:a14="http://schemas.microsoft.com/office/drawing/2010/main" w="9525">
+                <a14:hiddenLine xmlns:a14="http://schemas.microsoft.com/office/drawing/2010/main" xmlns="" w="9525">
                   <a:solidFill>
                     <a:srgbClr val="000000"/>
                   </a:solidFill>
@@ -43955,7 +43947,7 @@
             </a:ln>
             <a:extLst>
               <a:ext uri="{91240B29-F687-4f45-9708-019B960494DF}">
-                <a14:hiddenLine xmlns="" xmlns:a14="http://schemas.microsoft.com/office/drawing/2010/main" w="9525">
+                <a14:hiddenLine xmlns:a14="http://schemas.microsoft.com/office/drawing/2010/main" xmlns="" w="9525">
                   <a:solidFill>
                     <a:srgbClr val="000000"/>
                   </a:solidFill>
@@ -44254,7 +44246,7 @@
             </a:ln>
             <a:extLst>
               <a:ext uri="{91240B29-F687-4f45-9708-019B960494DF}">
-                <a14:hiddenLine xmlns="" xmlns:a14="http://schemas.microsoft.com/office/drawing/2010/main" w="9525">
+                <a14:hiddenLine xmlns:a14="http://schemas.microsoft.com/office/drawing/2010/main" xmlns="" w="9525">
                   <a:solidFill>
                     <a:srgbClr val="000000"/>
                   </a:solidFill>
@@ -44450,7 +44442,7 @@
             </a:ln>
             <a:extLst>
               <a:ext uri="{91240B29-F687-4f45-9708-019B960494DF}">
-                <a14:hiddenLine xmlns="" xmlns:a14="http://schemas.microsoft.com/office/drawing/2010/main" w="9525">
+                <a14:hiddenLine xmlns:a14="http://schemas.microsoft.com/office/drawing/2010/main" xmlns="" w="9525">
                   <a:solidFill>
                     <a:srgbClr val="000000"/>
                   </a:solidFill>
@@ -44606,7 +44598,7 @@
             </a:ln>
             <a:extLst>
               <a:ext uri="{91240B29-F687-4f45-9708-019B960494DF}">
-                <a14:hiddenLine xmlns="" xmlns:a14="http://schemas.microsoft.com/office/drawing/2010/main" w="9525">
+                <a14:hiddenLine xmlns:a14="http://schemas.microsoft.com/office/drawing/2010/main" xmlns="" w="9525">
                   <a:solidFill>
                     <a:srgbClr val="000000"/>
                   </a:solidFill>
@@ -44812,7 +44804,7 @@
             </a:ln>
             <a:extLst>
               <a:ext uri="{91240B29-F687-4f45-9708-019B960494DF}">
-                <a14:hiddenLine xmlns="" xmlns:a14="http://schemas.microsoft.com/office/drawing/2010/main" w="9525">
+                <a14:hiddenLine xmlns:a14="http://schemas.microsoft.com/office/drawing/2010/main" xmlns="" w="9525">
                   <a:solidFill>
                     <a:srgbClr val="000000"/>
                   </a:solidFill>
@@ -44988,7 +44980,7 @@
             </a:ln>
             <a:extLst>
               <a:ext uri="{91240B29-F687-4f45-9708-019B960494DF}">
-                <a14:hiddenLine xmlns="" xmlns:a14="http://schemas.microsoft.com/office/drawing/2010/main" w="9525">
+                <a14:hiddenLine xmlns:a14="http://schemas.microsoft.com/office/drawing/2010/main" xmlns="" w="9525">
                   <a:solidFill>
                     <a:srgbClr val="000000"/>
                   </a:solidFill>
